--- a/user_manual/user_manual_with_screen_shots.pptx
+++ b/user_manual/user_manual_with_screen_shots.pptx
@@ -204,7 +204,7 @@
             <a:fld id="{CF9B7C4F-7802-4216-970F-7048A5EA5CD0}" type="datetimeFigureOut">
               <a:rPr lang="en-US" smtClean="0"/>
               <a:pPr/>
-              <a:t>1/4/2012</a:t>
+              <a:t>1/8/2012</a:t>
             </a:fld>
             <a:endParaRPr lang="en-US"/>
           </a:p>
@@ -2093,7 +2093,7 @@
             <a:fld id="{530820CF-B880-4189-942D-D702A7CBA730}" type="datetimeFigureOut">
               <a:rPr lang="zh-CN" altLang="en-US" smtClean="0"/>
               <a:pPr/>
-              <a:t>2012/1/4</a:t>
+              <a:t>2012/1/8</a:t>
             </a:fld>
             <a:endParaRPr lang="zh-CN" altLang="en-US"/>
           </a:p>
@@ -2260,7 +2260,7 @@
             <a:fld id="{530820CF-B880-4189-942D-D702A7CBA730}" type="datetimeFigureOut">
               <a:rPr lang="zh-CN" altLang="en-US" smtClean="0"/>
               <a:pPr/>
-              <a:t>2012/1/4</a:t>
+              <a:t>2012/1/8</a:t>
             </a:fld>
             <a:endParaRPr lang="zh-CN" altLang="en-US"/>
           </a:p>
@@ -2437,7 +2437,7 @@
             <a:fld id="{530820CF-B880-4189-942D-D702A7CBA730}" type="datetimeFigureOut">
               <a:rPr lang="zh-CN" altLang="en-US" smtClean="0"/>
               <a:pPr/>
-              <a:t>2012/1/4</a:t>
+              <a:t>2012/1/8</a:t>
             </a:fld>
             <a:endParaRPr lang="zh-CN" altLang="en-US"/>
           </a:p>
@@ -2604,7 +2604,7 @@
             <a:fld id="{530820CF-B880-4189-942D-D702A7CBA730}" type="datetimeFigureOut">
               <a:rPr lang="zh-CN" altLang="en-US" smtClean="0"/>
               <a:pPr/>
-              <a:t>2012/1/4</a:t>
+              <a:t>2012/1/8</a:t>
             </a:fld>
             <a:endParaRPr lang="zh-CN" altLang="en-US"/>
           </a:p>
@@ -2847,7 +2847,7 @@
             <a:fld id="{530820CF-B880-4189-942D-D702A7CBA730}" type="datetimeFigureOut">
               <a:rPr lang="zh-CN" altLang="en-US" smtClean="0"/>
               <a:pPr/>
-              <a:t>2012/1/4</a:t>
+              <a:t>2012/1/8</a:t>
             </a:fld>
             <a:endParaRPr lang="zh-CN" altLang="en-US"/>
           </a:p>
@@ -3132,7 +3132,7 @@
             <a:fld id="{530820CF-B880-4189-942D-D702A7CBA730}" type="datetimeFigureOut">
               <a:rPr lang="zh-CN" altLang="en-US" smtClean="0"/>
               <a:pPr/>
-              <a:t>2012/1/4</a:t>
+              <a:t>2012/1/8</a:t>
             </a:fld>
             <a:endParaRPr lang="zh-CN" altLang="en-US"/>
           </a:p>
@@ -3551,7 +3551,7 @@
             <a:fld id="{530820CF-B880-4189-942D-D702A7CBA730}" type="datetimeFigureOut">
               <a:rPr lang="zh-CN" altLang="en-US" smtClean="0"/>
               <a:pPr/>
-              <a:t>2012/1/4</a:t>
+              <a:t>2012/1/8</a:t>
             </a:fld>
             <a:endParaRPr lang="zh-CN" altLang="en-US"/>
           </a:p>
@@ -3666,7 +3666,7 @@
             <a:fld id="{530820CF-B880-4189-942D-D702A7CBA730}" type="datetimeFigureOut">
               <a:rPr lang="zh-CN" altLang="en-US" smtClean="0"/>
               <a:pPr/>
-              <a:t>2012/1/4</a:t>
+              <a:t>2012/1/8</a:t>
             </a:fld>
             <a:endParaRPr lang="zh-CN" altLang="en-US"/>
           </a:p>
@@ -3758,7 +3758,7 @@
             <a:fld id="{530820CF-B880-4189-942D-D702A7CBA730}" type="datetimeFigureOut">
               <a:rPr lang="zh-CN" altLang="en-US" smtClean="0"/>
               <a:pPr/>
-              <a:t>2012/1/4</a:t>
+              <a:t>2012/1/8</a:t>
             </a:fld>
             <a:endParaRPr lang="zh-CN" altLang="en-US"/>
           </a:p>
@@ -4032,7 +4032,7 @@
             <a:fld id="{530820CF-B880-4189-942D-D702A7CBA730}" type="datetimeFigureOut">
               <a:rPr lang="zh-CN" altLang="en-US" smtClean="0"/>
               <a:pPr/>
-              <a:t>2012/1/4</a:t>
+              <a:t>2012/1/8</a:t>
             </a:fld>
             <a:endParaRPr lang="zh-CN" altLang="en-US"/>
           </a:p>
@@ -4282,7 +4282,7 @@
             <a:fld id="{530820CF-B880-4189-942D-D702A7CBA730}" type="datetimeFigureOut">
               <a:rPr lang="zh-CN" altLang="en-US" smtClean="0"/>
               <a:pPr/>
-              <a:t>2012/1/4</a:t>
+              <a:t>2012/1/8</a:t>
             </a:fld>
             <a:endParaRPr lang="zh-CN" altLang="en-US"/>
           </a:p>
@@ -4492,7 +4492,7 @@
             <a:fld id="{530820CF-B880-4189-942D-D702A7CBA730}" type="datetimeFigureOut">
               <a:rPr lang="zh-CN" altLang="en-US" smtClean="0"/>
               <a:pPr/>
-              <a:t>2012/1/4</a:t>
+              <a:t>2012/1/8</a:t>
             </a:fld>
             <a:endParaRPr lang="zh-CN" altLang="en-US"/>
           </a:p>
@@ -5854,7 +5854,7 @@
       </p:grpSpPr>
       <p:pic>
         <p:nvPicPr>
-          <p:cNvPr id="21507" name="Picture 6" descr="launch.png"/>
+          <p:cNvPr id="7" name="Picture 6" descr="launch.png"/>
           <p:cNvPicPr>
             <a:picLocks noChangeAspect="1"/>
           </p:cNvPicPr>
@@ -5862,26 +5862,18 @@
         </p:nvPicPr>
         <p:blipFill>
           <a:blip r:embed="rId3"/>
-          <a:srcRect/>
           <a:stretch>
             <a:fillRect/>
           </a:stretch>
         </p:blipFill>
-        <p:spPr bwMode="auto">
+        <p:spPr>
           <a:xfrm>
-            <a:off x="357158" y="571480"/>
-            <a:ext cx="3657600" cy="6096000"/>
+            <a:off x="571472" y="714356"/>
+            <a:ext cx="3657600" cy="5810248"/>
           </a:xfrm>
           <a:prstGeom prst="rect">
             <a:avLst/>
           </a:prstGeom>
-          <a:noFill/>
-          <a:ln w="9525">
-            <a:noFill/>
-            <a:miter lim="800000"/>
-            <a:headEnd/>
-            <a:tailEnd/>
-          </a:ln>
         </p:spPr>
       </p:pic>
       <p:sp>
@@ -5891,9 +5883,9 @@
           <p:nvPr/>
         </p:nvSpPr>
         <p:spPr>
-          <a:xfrm rot="20846796">
-            <a:off x="1073150" y="4598988"/>
-            <a:ext cx="5929313" cy="714375"/>
+          <a:xfrm rot="953853">
+            <a:off x="1573317" y="3177685"/>
+            <a:ext cx="6109921" cy="865627"/>
           </a:xfrm>
           <a:prstGeom prst="curvedUpArrow">
             <a:avLst/>
@@ -6059,30 +6051,6 @@
           <a:chExt cx="0" cy="0"/>
         </a:xfrm>
       </p:grpSpPr>
-      <p:pic>
-        <p:nvPicPr>
-          <p:cNvPr id="16" name="Picture 15" descr="main.png"/>
-          <p:cNvPicPr>
-            <a:picLocks noChangeAspect="1"/>
-          </p:cNvPicPr>
-          <p:nvPr/>
-        </p:nvPicPr>
-        <p:blipFill>
-          <a:blip r:embed="rId3"/>
-          <a:stretch>
-            <a:fillRect/>
-          </a:stretch>
-        </p:blipFill>
-        <p:spPr>
-          <a:xfrm>
-            <a:off x="357158" y="762000"/>
-            <a:ext cx="3657600" cy="6096000"/>
-          </a:xfrm>
-          <a:prstGeom prst="rect">
-            <a:avLst/>
-          </a:prstGeom>
-        </p:spPr>
-      </p:pic>
       <p:sp>
         <p:nvSpPr>
           <p:cNvPr id="15" name="Rectangle 14"/>
@@ -6212,6 +6180,30 @@
           </a:p>
         </p:txBody>
       </p:sp>
+      <p:pic>
+        <p:nvPicPr>
+          <p:cNvPr id="6" name="Picture 5" descr="main.png"/>
+          <p:cNvPicPr>
+            <a:picLocks noChangeAspect="1"/>
+          </p:cNvPicPr>
+          <p:nvPr/>
+        </p:nvPicPr>
+        <p:blipFill>
+          <a:blip r:embed="rId3"/>
+          <a:stretch>
+            <a:fillRect/>
+          </a:stretch>
+        </p:blipFill>
+        <p:spPr>
+          <a:xfrm>
+            <a:off x="428596" y="714356"/>
+            <a:ext cx="3657600" cy="5881686"/>
+          </a:xfrm>
+          <a:prstGeom prst="rect">
+            <a:avLst/>
+          </a:prstGeom>
+        </p:spPr>
+      </p:pic>
     </p:spTree>
   </p:cSld>
   <p:clrMapOvr>
@@ -6541,11 +6533,7 @@
             </a:r>
             <a:r>
               <a:rPr lang="en-US" sz="2400" dirty="0" smtClean="0"/>
-              <a:t> </a:t>
-            </a:r>
-            <a:r>
-              <a:rPr lang="en-US" sz="2400" dirty="0" smtClean="0"/>
-              <a:t>Train Routes Accounts</a:t>
+              <a:t> Train Routes Accounts</a:t>
             </a:r>
             <a:endParaRPr lang="en-US" sz="2400" dirty="0"/>
           </a:p>
@@ -6735,7 +6723,7 @@
       </p:grpSpPr>
       <p:pic>
         <p:nvPicPr>
-          <p:cNvPr id="7" name="Picture 6" descr="main.png"/>
+          <p:cNvPr id="6" name="Picture 5" descr="main.png"/>
           <p:cNvPicPr>
             <a:picLocks noChangeAspect="1"/>
           </p:cNvPicPr>
@@ -6924,7 +6912,7 @@
       </p:grpSpPr>
       <p:pic>
         <p:nvPicPr>
-          <p:cNvPr id="9" name="Picture 8" descr="retweet.png"/>
+          <p:cNvPr id="10" name="Picture 9" descr="publish.png"/>
           <p:cNvPicPr>
             <a:picLocks noChangeAspect="1"/>
           </p:cNvPicPr>
@@ -6938,7 +6926,7 @@
         </p:blipFill>
         <p:spPr>
           <a:xfrm>
-            <a:off x="642910" y="785794"/>
+            <a:off x="428596" y="714356"/>
             <a:ext cx="3657600" cy="5881686"/>
           </a:xfrm>
           <a:prstGeom prst="rect">
@@ -7147,9 +7135,9 @@
           <p:nvPr/>
         </p:nvSpPr>
         <p:spPr>
-          <a:xfrm rot="166276">
-            <a:off x="2010538" y="1862395"/>
-            <a:ext cx="3175305" cy="503097"/>
+          <a:xfrm rot="21099504">
+            <a:off x="1804773" y="2091993"/>
+            <a:ext cx="3270956" cy="498469"/>
           </a:xfrm>
           <a:prstGeom prst="curvedUpArrow">
             <a:avLst/>
@@ -7228,7 +7216,7 @@
       </p:grpSpPr>
       <p:pic>
         <p:nvPicPr>
-          <p:cNvPr id="8" name="Picture 7" descr="main.png"/>
+          <p:cNvPr id="9" name="Picture 8" descr="main.png"/>
           <p:cNvPicPr>
             <a:picLocks noChangeAspect="1"/>
           </p:cNvPicPr>
@@ -7243,7 +7231,7 @@
         <p:spPr>
           <a:xfrm>
             <a:off x="214282" y="1071546"/>
-            <a:ext cx="3657600" cy="5453058"/>
+            <a:ext cx="3657600" cy="5524496"/>
           </a:xfrm>
           <a:prstGeom prst="rect">
             <a:avLst/>
@@ -7348,11 +7336,7 @@
             </a:r>
             <a:r>
               <a:rPr lang="en-US" sz="2400" dirty="0" smtClean="0"/>
-              <a:t> </a:t>
-            </a:r>
-            <a:r>
-              <a:rPr lang="en-US" sz="2400" dirty="0" smtClean="0"/>
-              <a:t>by select” </a:t>
+              <a:t> by select” </a:t>
             </a:r>
             <a:r>
               <a:rPr lang="en-US" sz="2400" dirty="0"/>
@@ -7504,8 +7488,8 @@
         </p:nvSpPr>
         <p:spPr>
           <a:xfrm rot="20371798" flipV="1">
-            <a:off x="1671661" y="4433806"/>
-            <a:ext cx="3168723" cy="898370"/>
+            <a:off x="1646678" y="4438316"/>
+            <a:ext cx="3218690" cy="1032225"/>
           </a:xfrm>
           <a:prstGeom prst="curvedUpArrow">
             <a:avLst/>
@@ -7769,7 +7753,7 @@
       </p:grpSpPr>
       <p:pic>
         <p:nvPicPr>
-          <p:cNvPr id="6" name="Picture 5" descr="main.png"/>
+          <p:cNvPr id="7" name="Picture 6" descr="main.png"/>
           <p:cNvPicPr>
             <a:picLocks noChangeAspect="1"/>
           </p:cNvPicPr>
@@ -7783,8 +7767,8 @@
         </p:blipFill>
         <p:spPr>
           <a:xfrm>
-            <a:off x="357158" y="785794"/>
-            <a:ext cx="3657600" cy="5857892"/>
+            <a:off x="214282" y="1071546"/>
+            <a:ext cx="3657600" cy="5524496"/>
           </a:xfrm>
           <a:prstGeom prst="rect">
             <a:avLst/>

--- a/user_manual/user_manual_with_screen_shots.pptx
+++ b/user_manual/user_manual_with_screen_shots.pptx
@@ -204,7 +204,7 @@
             <a:fld id="{CF9B7C4F-7802-4216-970F-7048A5EA5CD0}" type="datetimeFigureOut">
               <a:rPr lang="en-US" smtClean="0"/>
               <a:pPr/>
-              <a:t>1/8/2012</a:t>
+              <a:t>1/20/2012</a:t>
             </a:fld>
             <a:endParaRPr lang="en-US"/>
           </a:p>
@@ -2093,7 +2093,7 @@
             <a:fld id="{530820CF-B880-4189-942D-D702A7CBA730}" type="datetimeFigureOut">
               <a:rPr lang="zh-CN" altLang="en-US" smtClean="0"/>
               <a:pPr/>
-              <a:t>2012/1/8</a:t>
+              <a:t>2012/1/20</a:t>
             </a:fld>
             <a:endParaRPr lang="zh-CN" altLang="en-US"/>
           </a:p>
@@ -2260,7 +2260,7 @@
             <a:fld id="{530820CF-B880-4189-942D-D702A7CBA730}" type="datetimeFigureOut">
               <a:rPr lang="zh-CN" altLang="en-US" smtClean="0"/>
               <a:pPr/>
-              <a:t>2012/1/8</a:t>
+              <a:t>2012/1/20</a:t>
             </a:fld>
             <a:endParaRPr lang="zh-CN" altLang="en-US"/>
           </a:p>
@@ -2437,7 +2437,7 @@
             <a:fld id="{530820CF-B880-4189-942D-D702A7CBA730}" type="datetimeFigureOut">
               <a:rPr lang="zh-CN" altLang="en-US" smtClean="0"/>
               <a:pPr/>
-              <a:t>2012/1/8</a:t>
+              <a:t>2012/1/20</a:t>
             </a:fld>
             <a:endParaRPr lang="zh-CN" altLang="en-US"/>
           </a:p>
@@ -2604,7 +2604,7 @@
             <a:fld id="{530820CF-B880-4189-942D-D702A7CBA730}" type="datetimeFigureOut">
               <a:rPr lang="zh-CN" altLang="en-US" smtClean="0"/>
               <a:pPr/>
-              <a:t>2012/1/8</a:t>
+              <a:t>2012/1/20</a:t>
             </a:fld>
             <a:endParaRPr lang="zh-CN" altLang="en-US"/>
           </a:p>
@@ -2847,7 +2847,7 @@
             <a:fld id="{530820CF-B880-4189-942D-D702A7CBA730}" type="datetimeFigureOut">
               <a:rPr lang="zh-CN" altLang="en-US" smtClean="0"/>
               <a:pPr/>
-              <a:t>2012/1/8</a:t>
+              <a:t>2012/1/20</a:t>
             </a:fld>
             <a:endParaRPr lang="zh-CN" altLang="en-US"/>
           </a:p>
@@ -3132,7 +3132,7 @@
             <a:fld id="{530820CF-B880-4189-942D-D702A7CBA730}" type="datetimeFigureOut">
               <a:rPr lang="zh-CN" altLang="en-US" smtClean="0"/>
               <a:pPr/>
-              <a:t>2012/1/8</a:t>
+              <a:t>2012/1/20</a:t>
             </a:fld>
             <a:endParaRPr lang="zh-CN" altLang="en-US"/>
           </a:p>
@@ -3551,7 +3551,7 @@
             <a:fld id="{530820CF-B880-4189-942D-D702A7CBA730}" type="datetimeFigureOut">
               <a:rPr lang="zh-CN" altLang="en-US" smtClean="0"/>
               <a:pPr/>
-              <a:t>2012/1/8</a:t>
+              <a:t>2012/1/20</a:t>
             </a:fld>
             <a:endParaRPr lang="zh-CN" altLang="en-US"/>
           </a:p>
@@ -3666,7 +3666,7 @@
             <a:fld id="{530820CF-B880-4189-942D-D702A7CBA730}" type="datetimeFigureOut">
               <a:rPr lang="zh-CN" altLang="en-US" smtClean="0"/>
               <a:pPr/>
-              <a:t>2012/1/8</a:t>
+              <a:t>2012/1/20</a:t>
             </a:fld>
             <a:endParaRPr lang="zh-CN" altLang="en-US"/>
           </a:p>
@@ -3758,7 +3758,7 @@
             <a:fld id="{530820CF-B880-4189-942D-D702A7CBA730}" type="datetimeFigureOut">
               <a:rPr lang="zh-CN" altLang="en-US" smtClean="0"/>
               <a:pPr/>
-              <a:t>2012/1/8</a:t>
+              <a:t>2012/1/20</a:t>
             </a:fld>
             <a:endParaRPr lang="zh-CN" altLang="en-US"/>
           </a:p>
@@ -4032,7 +4032,7 @@
             <a:fld id="{530820CF-B880-4189-942D-D702A7CBA730}" type="datetimeFigureOut">
               <a:rPr lang="zh-CN" altLang="en-US" smtClean="0"/>
               <a:pPr/>
-              <a:t>2012/1/8</a:t>
+              <a:t>2012/1/20</a:t>
             </a:fld>
             <a:endParaRPr lang="zh-CN" altLang="en-US"/>
           </a:p>
@@ -4282,7 +4282,7 @@
             <a:fld id="{530820CF-B880-4189-942D-D702A7CBA730}" type="datetimeFigureOut">
               <a:rPr lang="zh-CN" altLang="en-US" smtClean="0"/>
               <a:pPr/>
-              <a:t>2012/1/8</a:t>
+              <a:t>2012/1/20</a:t>
             </a:fld>
             <a:endParaRPr lang="zh-CN" altLang="en-US"/>
           </a:p>
@@ -4492,7 +4492,7 @@
             <a:fld id="{530820CF-B880-4189-942D-D702A7CBA730}" type="datetimeFigureOut">
               <a:rPr lang="zh-CN" altLang="en-US" smtClean="0"/>
               <a:pPr/>
-              <a:t>2012/1/8</a:t>
+              <a:t>2012/1/20</a:t>
             </a:fld>
             <a:endParaRPr lang="zh-CN" altLang="en-US"/>
           </a:p>
